--- a/Presentation.pptx
+++ b/Presentation.pptx
@@ -5,7 +5,7 @@
     <p:sldMasterId id="2147483673" r:id="rId1"/>
   </p:sldMasterIdLst>
   <p:notesMasterIdLst>
-    <p:notesMasterId r:id="rId15"/>
+    <p:notesMasterId r:id="rId16"/>
   </p:notesMasterIdLst>
   <p:sldIdLst>
     <p:sldId id="256" r:id="rId2"/>
@@ -20,25 +20,26 @@
     <p:sldId id="302" r:id="rId11"/>
     <p:sldId id="301" r:id="rId12"/>
     <p:sldId id="303" r:id="rId13"/>
-    <p:sldId id="275" r:id="rId14"/>
+    <p:sldId id="304" r:id="rId14"/>
+    <p:sldId id="275" r:id="rId15"/>
   </p:sldIdLst>
   <p:sldSz cx="9144000" cy="5143500" type="screen16x9"/>
   <p:notesSz cx="6858000" cy="9144000"/>
   <p:embeddedFontLst>
     <p:embeddedFont>
       <p:font typeface="Manrope" panose="020B0604020202020204" charset="0"/>
-      <p:regular r:id="rId16"/>
-      <p:bold r:id="rId17"/>
+      <p:regular r:id="rId17"/>
+      <p:bold r:id="rId18"/>
     </p:embeddedFont>
     <p:embeddedFont>
       <p:font typeface="Sora" panose="020B0604020202020204" charset="0"/>
-      <p:regular r:id="rId18"/>
-      <p:bold r:id="rId19"/>
+      <p:regular r:id="rId19"/>
+      <p:bold r:id="rId20"/>
     </p:embeddedFont>
     <p:embeddedFont>
       <p:font typeface="Sora Light" panose="020B0604020202020204" charset="0"/>
-      <p:regular r:id="rId20"/>
-      <p:bold r:id="rId21"/>
+      <p:regular r:id="rId21"/>
+      <p:bold r:id="rId22"/>
     </p:embeddedFont>
   </p:embeddedFontLst>
   <p:defaultTextStyle>
@@ -281,7 +282,7 @@
 <file path=ppt/revisionInfo.xml><?xml version="1.0" encoding="utf-8"?>
 <p1510:revInfo xmlns:a="http://schemas.openxmlformats.org/drawingml/2006/main" xmlns:r="http://schemas.openxmlformats.org/officeDocument/2006/relationships" xmlns:p1510="http://schemas.microsoft.com/office/powerpoint/2015/10/main">
   <p1510:revLst>
-    <p1510:client id="{588DC976-276D-4104-BAEE-78999E35CAC3}" v="233" dt="2024-01-06T09:12:54.200"/>
+    <p1510:client id="{588DC976-276D-4104-BAEE-78999E35CAC3}" v="270" dt="2024-01-08T12:56:42.367"/>
   </p1510:revLst>
 </p1510:revInfo>
 </file>
@@ -290,8 +291,8 @@
 <pc:chgInfo xmlns:a="http://schemas.openxmlformats.org/drawingml/2006/main" xmlns:r="http://schemas.openxmlformats.org/officeDocument/2006/relationships" xmlns:ac="http://schemas.microsoft.com/office/drawing/2013/main/command" xmlns:pc="http://schemas.microsoft.com/office/powerpoint/2013/main/command">
   <pc:docChgLst>
     <pc:chgData name="Julián Ravelo" userId="caca40b8735b0299" providerId="LiveId" clId="{588DC976-276D-4104-BAEE-78999E35CAC3}"/>
-    <pc:docChg chg="undo custSel addSld delSld modSld sldOrd delMainMaster">
-      <pc:chgData name="Julián Ravelo" userId="caca40b8735b0299" providerId="LiveId" clId="{588DC976-276D-4104-BAEE-78999E35CAC3}" dt="2024-01-06T09:38:05.953" v="892" actId="1076"/>
+    <pc:docChg chg="undo redo custSel addSld delSld modSld sldOrd delMainMaster">
+      <pc:chgData name="Julián Ravelo" userId="caca40b8735b0299" providerId="LiveId" clId="{588DC976-276D-4104-BAEE-78999E35CAC3}" dt="2024-01-08T13:10:41.868" v="1935" actId="20577"/>
       <pc:docMkLst>
         <pc:docMk/>
       </pc:docMkLst>
@@ -403,7 +404,7 @@
         </pc:sldMkLst>
       </pc:sldChg>
       <pc:sldChg chg="addSp delSp modSp mod">
-        <pc:chgData name="Julián Ravelo" userId="caca40b8735b0299" providerId="LiveId" clId="{588DC976-276D-4104-BAEE-78999E35CAC3}" dt="2024-01-06T09:15:23.744" v="888" actId="14100"/>
+        <pc:chgData name="Julián Ravelo" userId="caca40b8735b0299" providerId="LiveId" clId="{588DC976-276D-4104-BAEE-78999E35CAC3}" dt="2024-01-08T12:30:39.845" v="896" actId="20577"/>
         <pc:sldMkLst>
           <pc:docMk/>
           <pc:sldMk cId="0" sldId="261"/>
@@ -497,7 +498,7 @@
           </ac:spMkLst>
         </pc:spChg>
         <pc:spChg chg="mod">
-          <ac:chgData name="Julián Ravelo" userId="caca40b8735b0299" providerId="LiveId" clId="{588DC976-276D-4104-BAEE-78999E35CAC3}" dt="2024-01-06T09:15:23.744" v="888" actId="14100"/>
+          <ac:chgData name="Julián Ravelo" userId="caca40b8735b0299" providerId="LiveId" clId="{588DC976-276D-4104-BAEE-78999E35CAC3}" dt="2024-01-08T12:30:39.845" v="896" actId="20577"/>
           <ac:spMkLst>
             <pc:docMk/>
             <pc:sldMk cId="0" sldId="261"/>
@@ -657,7 +658,7 @@
         </pc:picChg>
       </pc:sldChg>
       <pc:sldChg chg="addSp delSp modSp mod">
-        <pc:chgData name="Julián Ravelo" userId="caca40b8735b0299" providerId="LiveId" clId="{588DC976-276D-4104-BAEE-78999E35CAC3}" dt="2024-01-06T08:07:36.849" v="373" actId="1076"/>
+        <pc:chgData name="Julián Ravelo" userId="caca40b8735b0299" providerId="LiveId" clId="{588DC976-276D-4104-BAEE-78999E35CAC3}" dt="2024-01-08T12:56:45.992" v="928" actId="14100"/>
         <pc:sldMkLst>
           <pc:docMk/>
           <pc:sldMk cId="0" sldId="263"/>
@@ -806,8 +807,16 @@
             <ac:picMk id="3" creationId="{A2561D84-F4BA-F344-9E7A-DBFA40EDF054}"/>
           </ac:picMkLst>
         </pc:picChg>
-        <pc:picChg chg="add mod modCrop">
-          <ac:chgData name="Julián Ravelo" userId="caca40b8735b0299" providerId="LiveId" clId="{588DC976-276D-4104-BAEE-78999E35CAC3}" dt="2024-01-06T08:07:27.979" v="372" actId="1076"/>
+        <pc:picChg chg="add mod">
+          <ac:chgData name="Julián Ravelo" userId="caca40b8735b0299" providerId="LiveId" clId="{588DC976-276D-4104-BAEE-78999E35CAC3}" dt="2024-01-08T12:56:45.992" v="928" actId="14100"/>
+          <ac:picMkLst>
+            <pc:docMk/>
+            <pc:sldMk cId="0" sldId="263"/>
+            <ac:picMk id="4" creationId="{A588FD2E-7DCA-A5F0-DEE6-7F5A401FE1F5}"/>
+          </ac:picMkLst>
+        </pc:picChg>
+        <pc:picChg chg="add del mod modCrop">
+          <ac:chgData name="Julián Ravelo" userId="caca40b8735b0299" providerId="LiveId" clId="{588DC976-276D-4104-BAEE-78999E35CAC3}" dt="2024-01-08T12:52:26.015" v="897" actId="478"/>
           <ac:picMkLst>
             <pc:docMk/>
             <pc:sldMk cId="0" sldId="263"/>
@@ -1144,7 +1153,7 @@
         </pc:sldMkLst>
       </pc:sldChg>
       <pc:sldChg chg="addSp delSp modSp add mod">
-        <pc:chgData name="Julián Ravelo" userId="caca40b8735b0299" providerId="LiveId" clId="{588DC976-276D-4104-BAEE-78999E35CAC3}" dt="2024-01-06T08:20:57.824" v="437" actId="1076"/>
+        <pc:chgData name="Julián Ravelo" userId="caca40b8735b0299" providerId="LiveId" clId="{588DC976-276D-4104-BAEE-78999E35CAC3}" dt="2024-01-08T13:01:31.131" v="934" actId="1076"/>
         <pc:sldMkLst>
           <pc:docMk/>
           <pc:sldMk cId="3344982324" sldId="296"/>
@@ -1813,6 +1822,14 @@
             <ac:grpSpMk id="1048" creationId="{0350137B-F415-2FEC-67A1-FF7A3ECEC19E}"/>
           </ac:grpSpMkLst>
         </pc:grpChg>
+        <pc:picChg chg="add mod">
+          <ac:chgData name="Julián Ravelo" userId="caca40b8735b0299" providerId="LiveId" clId="{588DC976-276D-4104-BAEE-78999E35CAC3}" dt="2024-01-08T13:01:31.131" v="934" actId="1076"/>
+          <ac:picMkLst>
+            <pc:docMk/>
+            <pc:sldMk cId="3344982324" sldId="296"/>
+            <ac:picMk id="3" creationId="{8D16D9D7-9F1B-E892-1BDA-582B317560B0}"/>
+          </ac:picMkLst>
+        </pc:picChg>
         <pc:picChg chg="del">
           <ac:chgData name="Julián Ravelo" userId="caca40b8735b0299" providerId="LiveId" clId="{588DC976-276D-4104-BAEE-78999E35CAC3}" dt="2024-01-06T08:08:30.761" v="375" actId="478"/>
           <ac:picMkLst>
@@ -1861,8 +1878,8 @@
             <ac:picMk id="1047" creationId="{A92FB1B4-E147-7781-4FDB-857B251D6E51}"/>
           </ac:picMkLst>
         </pc:picChg>
-        <pc:picChg chg="add mod">
-          <ac:chgData name="Julián Ravelo" userId="caca40b8735b0299" providerId="LiveId" clId="{588DC976-276D-4104-BAEE-78999E35CAC3}" dt="2024-01-06T08:20:57.824" v="437" actId="1076"/>
+        <pc:picChg chg="add del mod">
+          <ac:chgData name="Julián Ravelo" userId="caca40b8735b0299" providerId="LiveId" clId="{588DC976-276D-4104-BAEE-78999E35CAC3}" dt="2024-01-08T13:01:18.883" v="929" actId="478"/>
           <ac:picMkLst>
             <pc:docMk/>
             <pc:sldMk cId="3344982324" sldId="296"/>
@@ -1903,7 +1920,7 @@
         </pc:picChg>
       </pc:sldChg>
       <pc:sldChg chg="addSp delSp modSp add mod">
-        <pc:chgData name="Julián Ravelo" userId="caca40b8735b0299" providerId="LiveId" clId="{588DC976-276D-4104-BAEE-78999E35CAC3}" dt="2024-01-06T08:40:25.515" v="673" actId="20577"/>
+        <pc:chgData name="Julián Ravelo" userId="caca40b8735b0299" providerId="LiveId" clId="{588DC976-276D-4104-BAEE-78999E35CAC3}" dt="2024-01-08T12:53:40.540" v="924" actId="20577"/>
         <pc:sldMkLst>
           <pc:docMk/>
           <pc:sldMk cId="4073058623" sldId="297"/>
@@ -2629,7 +2646,7 @@
           </ac:grpSpMkLst>
         </pc:grpChg>
         <pc:graphicFrameChg chg="add del mod modGraphic">
-          <ac:chgData name="Julián Ravelo" userId="caca40b8735b0299" providerId="LiveId" clId="{588DC976-276D-4104-BAEE-78999E35CAC3}" dt="2024-01-06T08:39:41.129" v="660" actId="12100"/>
+          <ac:chgData name="Julián Ravelo" userId="caca40b8735b0299" providerId="LiveId" clId="{588DC976-276D-4104-BAEE-78999E35CAC3}" dt="2024-01-08T12:53:40.540" v="924" actId="20577"/>
           <ac:graphicFrameMkLst>
             <pc:docMk/>
             <pc:sldMk cId="4073058623" sldId="297"/>
@@ -2819,7 +2836,7 @@
         </pc:picChg>
       </pc:sldChg>
       <pc:sldChg chg="addSp delSp modSp add mod">
-        <pc:chgData name="Julián Ravelo" userId="caca40b8735b0299" providerId="LiveId" clId="{588DC976-276D-4104-BAEE-78999E35CAC3}" dt="2024-01-06T09:08:50.234" v="784" actId="14100"/>
+        <pc:chgData name="Julián Ravelo" userId="caca40b8735b0299" providerId="LiveId" clId="{588DC976-276D-4104-BAEE-78999E35CAC3}" dt="2024-01-08T13:03:09.573" v="947" actId="1076"/>
         <pc:sldMkLst>
           <pc:docMk/>
           <pc:sldMk cId="3190961132" sldId="301"/>
@@ -2840,6 +2857,14 @@
             <ac:spMk id="388" creationId="{00000000-0000-0000-0000-000000000000}"/>
           </ac:spMkLst>
         </pc:spChg>
+        <pc:picChg chg="add mod">
+          <ac:chgData name="Julián Ravelo" userId="caca40b8735b0299" providerId="LiveId" clId="{588DC976-276D-4104-BAEE-78999E35CAC3}" dt="2024-01-08T13:03:09.573" v="947" actId="1076"/>
+          <ac:picMkLst>
+            <pc:docMk/>
+            <pc:sldMk cId="3190961132" sldId="301"/>
+            <ac:picMk id="3" creationId="{B13D959E-E27D-30BE-11C6-B38AAC404D32}"/>
+          </ac:picMkLst>
+        </pc:picChg>
         <pc:picChg chg="add del mod modCrop">
           <ac:chgData name="Julián Ravelo" userId="caca40b8735b0299" providerId="LiveId" clId="{588DC976-276D-4104-BAEE-78999E35CAC3}" dt="2024-01-06T09:02:49.627" v="734" actId="478"/>
           <ac:picMkLst>
@@ -2880,8 +2905,8 @@
             <ac:picMk id="11" creationId="{5EF64C7F-6393-A9B1-B821-D246C63232E0}"/>
           </ac:picMkLst>
         </pc:picChg>
-        <pc:picChg chg="add mod">
-          <ac:chgData name="Julián Ravelo" userId="caca40b8735b0299" providerId="LiveId" clId="{588DC976-276D-4104-BAEE-78999E35CAC3}" dt="2024-01-06T09:08:50.234" v="784" actId="14100"/>
+        <pc:picChg chg="add del mod">
+          <ac:chgData name="Julián Ravelo" userId="caca40b8735b0299" providerId="LiveId" clId="{588DC976-276D-4104-BAEE-78999E35CAC3}" dt="2024-01-08T13:02:46.725" v="942" actId="478"/>
           <ac:picMkLst>
             <pc:docMk/>
             <pc:sldMk cId="3190961132" sldId="301"/>
@@ -2898,7 +2923,7 @@
         </pc:picChg>
       </pc:sldChg>
       <pc:sldChg chg="addSp delSp modSp add mod ord">
-        <pc:chgData name="Julián Ravelo" userId="caca40b8735b0299" providerId="LiveId" clId="{588DC976-276D-4104-BAEE-78999E35CAC3}" dt="2024-01-06T09:10:32.856" v="794" actId="1076"/>
+        <pc:chgData name="Julián Ravelo" userId="caca40b8735b0299" providerId="LiveId" clId="{588DC976-276D-4104-BAEE-78999E35CAC3}" dt="2024-01-08T13:02:42.335" v="941" actId="1076"/>
         <pc:sldMkLst>
           <pc:docMk/>
           <pc:sldMk cId="4098191981" sldId="302"/>
@@ -2919,12 +2944,28 @@
             <ac:picMk id="3" creationId="{13BED1D4-544A-5809-7F41-D073688177FC}"/>
           </ac:picMkLst>
         </pc:picChg>
+        <pc:picChg chg="add mod">
+          <ac:chgData name="Julián Ravelo" userId="caca40b8735b0299" providerId="LiveId" clId="{588DC976-276D-4104-BAEE-78999E35CAC3}" dt="2024-01-08T13:02:42.335" v="941" actId="1076"/>
+          <ac:picMkLst>
+            <pc:docMk/>
+            <pc:sldMk cId="4098191981" sldId="302"/>
+            <ac:picMk id="4" creationId="{0B928CA7-14FB-35E4-CF4F-5941109D6D06}"/>
+          </ac:picMkLst>
+        </pc:picChg>
         <pc:picChg chg="del">
           <ac:chgData name="Julián Ravelo" userId="caca40b8735b0299" providerId="LiveId" clId="{588DC976-276D-4104-BAEE-78999E35CAC3}" dt="2024-01-06T09:08:55.395" v="785" actId="478"/>
           <ac:picMkLst>
             <pc:docMk/>
             <pc:sldMk cId="4098191981" sldId="302"/>
             <ac:picMk id="9" creationId="{71E02536-3D86-EC58-C047-FDFC17FCC439}"/>
+          </ac:picMkLst>
+        </pc:picChg>
+        <pc:picChg chg="del mod">
+          <ac:chgData name="Julián Ravelo" userId="caca40b8735b0299" providerId="LiveId" clId="{588DC976-276D-4104-BAEE-78999E35CAC3}" dt="2024-01-08T13:02:31.380" v="936" actId="478"/>
+          <ac:picMkLst>
+            <pc:docMk/>
+            <pc:sldMk cId="4098191981" sldId="302"/>
+            <ac:picMk id="11" creationId="{5EF64C7F-6393-A9B1-B821-D246C63232E0}"/>
           </ac:picMkLst>
         </pc:picChg>
       </pc:sldChg>
@@ -3030,6 +3071,29 @@
             <ac:grpSpMk id="12" creationId="{760D67E6-8803-4DFA-D465-FD988544D35D}"/>
           </ac:grpSpMkLst>
         </pc:grpChg>
+      </pc:sldChg>
+      <pc:sldChg chg="modSp add mod">
+        <pc:chgData name="Julián Ravelo" userId="caca40b8735b0299" providerId="LiveId" clId="{588DC976-276D-4104-BAEE-78999E35CAC3}" dt="2024-01-08T13:10:41.868" v="1935" actId="20577"/>
+        <pc:sldMkLst>
+          <pc:docMk/>
+          <pc:sldMk cId="3611713133" sldId="304"/>
+        </pc:sldMkLst>
+        <pc:spChg chg="mod">
+          <ac:chgData name="Julián Ravelo" userId="caca40b8735b0299" providerId="LiveId" clId="{588DC976-276D-4104-BAEE-78999E35CAC3}" dt="2024-01-08T13:03:36.873" v="1013" actId="20577"/>
+          <ac:spMkLst>
+            <pc:docMk/>
+            <pc:sldMk cId="3611713133" sldId="304"/>
+            <ac:spMk id="377" creationId="{00000000-0000-0000-0000-000000000000}"/>
+          </ac:spMkLst>
+        </pc:spChg>
+        <pc:spChg chg="mod">
+          <ac:chgData name="Julián Ravelo" userId="caca40b8735b0299" providerId="LiveId" clId="{588DC976-276D-4104-BAEE-78999E35CAC3}" dt="2024-01-08T13:10:41.868" v="1935" actId="20577"/>
+          <ac:spMkLst>
+            <pc:docMk/>
+            <pc:sldMk cId="3611713133" sldId="304"/>
+            <ac:spMk id="379" creationId="{00000000-0000-0000-0000-000000000000}"/>
+          </ac:spMkLst>
+        </pc:spChg>
       </pc:sldChg>
       <pc:sldMasterChg chg="delSldLayout">
         <pc:chgData name="Julián Ravelo" userId="caca40b8735b0299" providerId="LiveId" clId="{588DC976-276D-4104-BAEE-78999E35CAC3}" dt="2024-01-06T09:15:09.484" v="887" actId="47"/>
@@ -5583,7 +5647,7 @@
         </a:p>
         <a:p>
           <a:r>
-            <a:rPr lang="es-CO" dirty="0"/>
+            <a:rPr lang="es-CO"/>
             <a:t>57.60%</a:t>
           </a:r>
           <a:endParaRPr lang="en-AU" dirty="0"/>
@@ -6660,7 +6724,7 @@
             <a:buNone/>
           </a:pPr>
           <a:r>
-            <a:rPr lang="es-CO" sz="800" kern="1200" dirty="0"/>
+            <a:rPr lang="es-CO" sz="800" kern="1200"/>
             <a:t>57.60%</a:t>
           </a:r>
           <a:endParaRPr lang="en-AU" sz="800" kern="1200" dirty="0"/>
@@ -13103,6 +13167,115 @@
   <p:cSld>
     <p:spTree>
       <p:nvGrpSpPr>
+        <p:cNvPr id="1" name="Shape 372"/>
+        <p:cNvGrpSpPr/>
+        <p:nvPr/>
+      </p:nvGrpSpPr>
+      <p:grpSpPr>
+        <a:xfrm>
+          <a:off x="0" y="0"/>
+          <a:ext cx="0" cy="0"/>
+          <a:chOff x="0" y="0"/>
+          <a:chExt cx="0" cy="0"/>
+        </a:xfrm>
+      </p:grpSpPr>
+      <p:sp>
+        <p:nvSpPr>
+          <p:cNvPr id="373" name="Google Shape;373;g54dda1946d_6_332:notes"/>
+          <p:cNvSpPr>
+            <a:spLocks noGrp="1" noRot="1" noChangeAspect="1"/>
+          </p:cNvSpPr>
+          <p:nvPr>
+            <p:ph type="sldImg" idx="2"/>
+          </p:nvPr>
+        </p:nvSpPr>
+        <p:spPr>
+          <a:xfrm>
+            <a:off x="381000" y="685800"/>
+            <a:ext cx="6096000" cy="3429000"/>
+          </a:xfrm>
+          <a:custGeom>
+            <a:avLst/>
+            <a:gdLst/>
+            <a:ahLst/>
+            <a:cxnLst/>
+            <a:rect l="l" t="t" r="r" b="b"/>
+            <a:pathLst>
+              <a:path w="120000" h="120000" extrusionOk="0">
+                <a:moveTo>
+                  <a:pt x="0" y="0"/>
+                </a:moveTo>
+                <a:lnTo>
+                  <a:pt x="120000" y="0"/>
+                </a:lnTo>
+                <a:lnTo>
+                  <a:pt x="120000" y="120000"/>
+                </a:lnTo>
+                <a:lnTo>
+                  <a:pt x="0" y="120000"/>
+                </a:lnTo>
+                <a:close/>
+              </a:path>
+            </a:pathLst>
+          </a:custGeom>
+        </p:spPr>
+      </p:sp>
+      <p:sp>
+        <p:nvSpPr>
+          <p:cNvPr id="374" name="Google Shape;374;g54dda1946d_6_332:notes"/>
+          <p:cNvSpPr txBox="1">
+            <a:spLocks noGrp="1"/>
+          </p:cNvSpPr>
+          <p:nvPr>
+            <p:ph type="body" idx="1"/>
+          </p:nvPr>
+        </p:nvSpPr>
+        <p:spPr>
+          <a:xfrm>
+            <a:off x="685800" y="4343400"/>
+            <a:ext cx="5486400" cy="4114800"/>
+          </a:xfrm>
+          <a:prstGeom prst="rect">
+            <a:avLst/>
+          </a:prstGeom>
+        </p:spPr>
+        <p:txBody>
+          <a:bodyPr spcFirstLastPara="1" wrap="square" lIns="91425" tIns="91425" rIns="91425" bIns="91425" anchor="t" anchorCtr="0">
+            <a:noAutofit/>
+          </a:bodyPr>
+          <a:lstStyle/>
+          <a:p>
+            <a:pPr marL="0" lvl="0" indent="0" algn="l" rtl="0">
+              <a:spcBef>
+                <a:spcPts val="0"/>
+              </a:spcBef>
+              <a:spcAft>
+                <a:spcPts val="0"/>
+              </a:spcAft>
+              <a:buNone/>
+            </a:pPr>
+            <a:endParaRPr/>
+          </a:p>
+        </p:txBody>
+      </p:sp>
+    </p:spTree>
+    <p:extLst>
+      <p:ext uri="{BB962C8B-B14F-4D97-AF65-F5344CB8AC3E}">
+        <p14:creationId xmlns:p14="http://schemas.microsoft.com/office/powerpoint/2010/main" val="4009356550"/>
+      </p:ext>
+    </p:extLst>
+  </p:cSld>
+  <p:clrMapOvr>
+    <a:masterClrMapping/>
+  </p:clrMapOvr>
+</p:notes>
+</file>
+
+<file path=ppt/notesSlides/notesSlide14.xml><?xml version="1.0" encoding="utf-8"?>
+<p:notes xmlns:a="http://schemas.openxmlformats.org/drawingml/2006/main" xmlns:r="http://schemas.openxmlformats.org/officeDocument/2006/relationships" xmlns:p="http://schemas.openxmlformats.org/presentationml/2006/main" showMasterSp="0" showMasterPhAnim="0">
+  <p:cSld>
+    <p:spTree>
+      <p:nvGrpSpPr>
         <p:cNvPr id="1" name="Shape 633"/>
         <p:cNvGrpSpPr/>
         <p:nvPr/>
@@ -26077,10 +26250,10 @@
       </p:pic>
       <p:pic>
         <p:nvPicPr>
-          <p:cNvPr id="11" name="Picture 10">
+          <p:cNvPr id="3" name="Picture 2">
             <a:extLst>
               <a:ext uri="{FF2B5EF4-FFF2-40B4-BE49-F238E27FC236}">
-                <a16:creationId xmlns:a16="http://schemas.microsoft.com/office/drawing/2014/main" id="{5EF64C7F-6393-A9B1-B821-D246C63232E0}"/>
+                <a16:creationId xmlns:a16="http://schemas.microsoft.com/office/drawing/2014/main" id="{13BED1D4-544A-5809-7F41-D073688177FC}"/>
               </a:ext>
             </a:extLst>
           </p:cNvPr>
@@ -26097,8 +26270,8 @@
         </p:blipFill>
         <p:spPr>
           <a:xfrm>
-            <a:off x="5105398" y="1454727"/>
-            <a:ext cx="3126134" cy="3173913"/>
+            <a:off x="1086315" y="1147708"/>
+            <a:ext cx="3669256" cy="3679200"/>
           </a:xfrm>
           <a:prstGeom prst="rect">
             <a:avLst/>
@@ -26107,10 +26280,10 @@
       </p:pic>
       <p:pic>
         <p:nvPicPr>
-          <p:cNvPr id="3" name="Picture 2">
+          <p:cNvPr id="4" name="Picture 3">
             <a:extLst>
               <a:ext uri="{FF2B5EF4-FFF2-40B4-BE49-F238E27FC236}">
-                <a16:creationId xmlns:a16="http://schemas.microsoft.com/office/drawing/2014/main" id="{13BED1D4-544A-5809-7F41-D073688177FC}"/>
+                <a16:creationId xmlns:a16="http://schemas.microsoft.com/office/drawing/2014/main" id="{0B928CA7-14FB-35E4-CF4F-5941109D6D06}"/>
               </a:ext>
             </a:extLst>
           </p:cNvPr>
@@ -26127,8 +26300,8 @@
         </p:blipFill>
         <p:spPr>
           <a:xfrm>
-            <a:off x="1086315" y="1147708"/>
-            <a:ext cx="3669256" cy="3679200"/>
+            <a:off x="5235176" y="1296151"/>
+            <a:ext cx="3432190" cy="3417004"/>
           </a:xfrm>
           <a:prstGeom prst="rect">
             <a:avLst/>
@@ -26331,10 +26504,10 @@
       </p:pic>
       <p:pic>
         <p:nvPicPr>
-          <p:cNvPr id="13" name="Picture 12">
+          <p:cNvPr id="3" name="Picture 2">
             <a:extLst>
               <a:ext uri="{FF2B5EF4-FFF2-40B4-BE49-F238E27FC236}">
-                <a16:creationId xmlns:a16="http://schemas.microsoft.com/office/drawing/2014/main" id="{D1B26069-BC81-7B8E-FC2D-8BC5EAEDEA1A}"/>
+                <a16:creationId xmlns:a16="http://schemas.microsoft.com/office/drawing/2014/main" id="{B13D959E-E27D-30BE-11C6-B38AAC404D32}"/>
               </a:ext>
             </a:extLst>
           </p:cNvPr>
@@ -26351,8 +26524,8 @@
         </p:blipFill>
         <p:spPr>
           <a:xfrm>
-            <a:off x="5084618" y="1390307"/>
-            <a:ext cx="3127401" cy="3175200"/>
+            <a:off x="5009566" y="1297204"/>
+            <a:ext cx="3278055" cy="3343909"/>
           </a:xfrm>
           <a:prstGeom prst="rect">
             <a:avLst/>
@@ -26541,6 +26714,197 @@
 </file>
 
 <file path=ppt/slides/slide13.xml><?xml version="1.0" encoding="utf-8"?>
+<p:sld xmlns:a="http://schemas.openxmlformats.org/drawingml/2006/main" xmlns:r="http://schemas.openxmlformats.org/officeDocument/2006/relationships" xmlns:p="http://schemas.openxmlformats.org/presentationml/2006/main">
+  <p:cSld>
+    <p:spTree>
+      <p:nvGrpSpPr>
+        <p:cNvPr id="1" name="Shape 375"/>
+        <p:cNvGrpSpPr/>
+        <p:nvPr/>
+      </p:nvGrpSpPr>
+      <p:grpSpPr>
+        <a:xfrm>
+          <a:off x="0" y="0"/>
+          <a:ext cx="0" cy="0"/>
+          <a:chOff x="0" y="0"/>
+          <a:chExt cx="0" cy="0"/>
+        </a:xfrm>
+      </p:grpSpPr>
+      <p:sp>
+        <p:nvSpPr>
+          <p:cNvPr id="377" name="Google Shape;377;p33"/>
+          <p:cNvSpPr txBox="1">
+            <a:spLocks noGrp="1"/>
+          </p:cNvSpPr>
+          <p:nvPr>
+            <p:ph type="title"/>
+          </p:nvPr>
+        </p:nvSpPr>
+        <p:spPr>
+          <a:xfrm>
+            <a:off x="720000" y="445025"/>
+            <a:ext cx="7704000" cy="572700"/>
+          </a:xfrm>
+          <a:prstGeom prst="rect">
+            <a:avLst/>
+          </a:prstGeom>
+        </p:spPr>
+        <p:txBody>
+          <a:bodyPr spcFirstLastPara="1" wrap="square" lIns="91425" tIns="91425" rIns="91425" bIns="91425" anchor="t" anchorCtr="0">
+            <a:noAutofit/>
+          </a:bodyPr>
+          <a:lstStyle/>
+          <a:p>
+            <a:pPr marL="0" lvl="0" indent="0" algn="ctr" rtl="0">
+              <a:spcBef>
+                <a:spcPts val="0"/>
+              </a:spcBef>
+              <a:spcAft>
+                <a:spcPts val="0"/>
+              </a:spcAft>
+              <a:buNone/>
+            </a:pPr>
+            <a:r>
+              <a:rPr lang="en" dirty="0"/>
+              <a:t>Limitations and future improvements</a:t>
+            </a:r>
+            <a:endParaRPr dirty="0"/>
+          </a:p>
+        </p:txBody>
+      </p:sp>
+      <p:sp>
+        <p:nvSpPr>
+          <p:cNvPr id="379" name="Google Shape;379;p33"/>
+          <p:cNvSpPr txBox="1">
+            <a:spLocks noGrp="1"/>
+          </p:cNvSpPr>
+          <p:nvPr>
+            <p:ph type="subTitle" idx="2"/>
+          </p:nvPr>
+        </p:nvSpPr>
+        <p:spPr>
+          <a:xfrm>
+            <a:off x="498540" y="1126918"/>
+            <a:ext cx="8049715" cy="3043300"/>
+          </a:xfrm>
+          <a:prstGeom prst="rect">
+            <a:avLst/>
+          </a:prstGeom>
+        </p:spPr>
+        <p:txBody>
+          <a:bodyPr spcFirstLastPara="1" wrap="square" lIns="91425" tIns="91425" rIns="91425" bIns="91425" anchor="t" anchorCtr="0">
+            <a:noAutofit/>
+          </a:bodyPr>
+          <a:lstStyle/>
+          <a:p>
+            <a:pPr marL="171450" lvl="0" indent="-171450" algn="l" rtl="0">
+              <a:spcBef>
+                <a:spcPts val="0"/>
+              </a:spcBef>
+              <a:spcAft>
+                <a:spcPts val="0"/>
+              </a:spcAft>
+              <a:buFont typeface="Arial" panose="020B0604020202020204" pitchFamily="34" charset="0"/>
+              <a:buChar char="•"/>
+            </a:pPr>
+            <a:r>
+              <a:rPr lang="en-AU" sz="1400" dirty="0"/>
+              <a:t>Both models are not using categorical features that has less than 10 options (</a:t>
+            </a:r>
+            <a:r>
+              <a:rPr lang="en-AU" sz="1400" dirty="0" err="1"/>
+              <a:t>UsedOrNew</a:t>
+            </a:r>
+            <a:r>
+              <a:rPr lang="en-AU" sz="1400" dirty="0"/>
+              <a:t>, Transmission and State). It would be relevant to check how to use these characteristic with these or other models.</a:t>
+            </a:r>
+          </a:p>
+          <a:p>
+            <a:pPr marL="0" lvl="0" indent="0" algn="l" rtl="0">
+              <a:spcBef>
+                <a:spcPts val="0"/>
+              </a:spcBef>
+              <a:spcAft>
+                <a:spcPts val="0"/>
+              </a:spcAft>
+            </a:pPr>
+            <a:endParaRPr lang="en-AU" sz="1400" dirty="0"/>
+          </a:p>
+          <a:p>
+            <a:pPr marL="171450" lvl="0" indent="-171450" algn="l" rtl="0">
+              <a:spcBef>
+                <a:spcPts val="0"/>
+              </a:spcBef>
+              <a:spcAft>
+                <a:spcPts val="0"/>
+              </a:spcAft>
+              <a:buFont typeface="Arial" panose="020B0604020202020204" pitchFamily="34" charset="0"/>
+              <a:buChar char="•"/>
+            </a:pPr>
+            <a:r>
+              <a:rPr lang="en-AU" sz="1400" dirty="0"/>
+              <a:t>Depending on the year of manufacture of the car, brand, and model, for some cases, there are not enough values to make an accurate prediction. I might me relevant to check which references of car should be removed from the options of the website to avoid users getting inaccurate predictions. </a:t>
+            </a:r>
+          </a:p>
+          <a:p>
+            <a:pPr marL="171450" lvl="0" indent="-171450" algn="l" rtl="0">
+              <a:spcBef>
+                <a:spcPts val="0"/>
+              </a:spcBef>
+              <a:spcAft>
+                <a:spcPts val="0"/>
+              </a:spcAft>
+              <a:buFont typeface="Arial" panose="020B0604020202020204" pitchFamily="34" charset="0"/>
+              <a:buChar char="•"/>
+            </a:pPr>
+            <a:endParaRPr lang="en-AU" sz="1400" dirty="0"/>
+          </a:p>
+          <a:p>
+            <a:pPr marL="171450" lvl="0" indent="-171450" algn="l" rtl="0">
+              <a:spcBef>
+                <a:spcPts val="0"/>
+              </a:spcBef>
+              <a:spcAft>
+                <a:spcPts val="0"/>
+              </a:spcAft>
+              <a:buFont typeface="Arial" panose="020B0604020202020204" pitchFamily="34" charset="0"/>
+              <a:buChar char="•"/>
+            </a:pPr>
+            <a:r>
+              <a:rPr lang="en-AU" sz="1400" dirty="0"/>
+              <a:t>In case that wanting to use the website in the future, it will </a:t>
+            </a:r>
+            <a:r>
+              <a:rPr lang="en-AU" sz="1400"/>
+              <a:t>be needed </a:t>
+            </a:r>
+            <a:r>
+              <a:rPr lang="en-AU" sz="1400" dirty="0"/>
+              <a:t>to keep updating the dataset and validate how useful is the information from one year ago as the prices of cars have increased dramatically </a:t>
+            </a:r>
+            <a:r>
+              <a:rPr lang="en-AU" sz="1400"/>
+              <a:t>in the last year.</a:t>
+            </a:r>
+            <a:endParaRPr lang="en-AU" sz="1400" dirty="0"/>
+          </a:p>
+        </p:txBody>
+      </p:sp>
+    </p:spTree>
+    <p:extLst>
+      <p:ext uri="{BB962C8B-B14F-4D97-AF65-F5344CB8AC3E}">
+        <p14:creationId xmlns:p14="http://schemas.microsoft.com/office/powerpoint/2010/main" val="3611713133"/>
+      </p:ext>
+    </p:extLst>
+  </p:cSld>
+  <p:clrMapOvr>
+    <a:masterClrMapping/>
+  </p:clrMapOvr>
+</p:sld>
+</file>
+
+<file path=ppt/slides/slide14.xml><?xml version="1.0" encoding="utf-8"?>
 <p:sld xmlns:a="http://schemas.openxmlformats.org/drawingml/2006/main" xmlns:r="http://schemas.openxmlformats.org/officeDocument/2006/relationships" xmlns:p="http://schemas.openxmlformats.org/presentationml/2006/main">
   <p:cSld>
     <p:spTree>
@@ -27524,7 +27888,7 @@
             </a:pPr>
             <a:r>
               <a:rPr lang="en-US" dirty="0"/>
-              <a:t>Using a dataset with prices of vehicles sold in Australia since 2023 found in Kaggle, we aimed to create a website that allowed users to search for specific car details and get an estimated price for the car. Behind this website, we are running a Decision Tree Regressor model and a Random Forest Regressor model from the Scikit Learn Python library that predicts car prices depending on the historical prices of cars sold. Additionally, the website shows insights into the dataset used as a reference for the user regarding the truthfulness of the price predicted depending on their specific context.</a:t>
+              <a:t>Using a dataset with prices of vehicles sold in Australia in 2023 found in Kaggle, we aimed to create a website that allowed users to search for specific car details and get an estimated price for the car. Behind this website, we are running a Decision Tree Regressor model and a Random Forest Regressor model from the Scikit Learn Python library that predicts car prices depending on the historical prices of cars sold. Additionally, the website shows insights into the dataset used as a reference for the user regarding the truthfulness of the price predicted depending on their specific context.</a:t>
             </a:r>
           </a:p>
         </p:txBody>
@@ -29243,35 +29607,6 @@
       </p:pic>
       <p:pic>
         <p:nvPicPr>
-          <p:cNvPr id="5" name="Picture 4">
-            <a:extLst>
-              <a:ext uri="{FF2B5EF4-FFF2-40B4-BE49-F238E27FC236}">
-                <a16:creationId xmlns:a16="http://schemas.microsoft.com/office/drawing/2014/main" id="{867B327C-DFA5-EBFC-377B-D8F20C0E7AB2}"/>
-              </a:ext>
-            </a:extLst>
-          </p:cNvPr>
-          <p:cNvPicPr>
-            <a:picLocks noChangeAspect="1"/>
-          </p:cNvPicPr>
-          <p:nvPr/>
-        </p:nvPicPr>
-        <p:blipFill rotWithShape="1">
-          <a:blip r:embed="rId4"/>
-          <a:srcRect r="38667"/>
-          <a:stretch/>
-        </p:blipFill>
-        <p:spPr>
-          <a:xfrm>
-            <a:off x="242018" y="857198"/>
-            <a:ext cx="3838146" cy="3636896"/>
-          </a:xfrm>
-          <a:prstGeom prst="rect">
-            <a:avLst/>
-          </a:prstGeom>
-        </p:spPr>
-      </p:pic>
-      <p:pic>
-        <p:nvPicPr>
           <p:cNvPr id="1026" name="Picture 2" descr="An Introduction to pandas — Python's Data Analysis Library | by Gaurav Garg  | Python in Plain English">
             <a:extLst>
               <a:ext uri="{FF2B5EF4-FFF2-40B4-BE49-F238E27FC236}">
@@ -29285,7 +29620,7 @@
           <p:nvPr/>
         </p:nvPicPr>
         <p:blipFill>
-          <a:blip r:embed="rId5">
+          <a:blip r:embed="rId4">
             <a:extLst>
               <a:ext uri="{28A0092B-C50C-407E-A947-70E740481C1C}">
                 <a14:useLocalDpi xmlns:a14="http://schemas.microsoft.com/office/drawing/2010/main" val="0"/>
@@ -29332,7 +29667,7 @@
           <p:nvPr/>
         </p:nvPicPr>
         <p:blipFill>
-          <a:blip r:embed="rId6">
+          <a:blip r:embed="rId5">
             <a:extLst>
               <a:ext uri="{28A0092B-C50C-407E-A947-70E740481C1C}">
                 <a14:useLocalDpi xmlns:a14="http://schemas.microsoft.com/office/drawing/2010/main" val="0"/>
@@ -29362,6 +29697,36 @@
               </a14:hiddenFill>
             </a:ext>
           </a:extLst>
+        </p:spPr>
+      </p:pic>
+      <p:pic>
+        <p:nvPicPr>
+          <p:cNvPr id="4" name="Picture 3">
+            <a:extLst>
+              <a:ext uri="{FF2B5EF4-FFF2-40B4-BE49-F238E27FC236}">
+                <a16:creationId xmlns:a16="http://schemas.microsoft.com/office/drawing/2014/main" id="{A588FD2E-7DCA-A5F0-DEE6-7F5A401FE1F5}"/>
+              </a:ext>
+            </a:extLst>
+          </p:cNvPr>
+          <p:cNvPicPr>
+            <a:picLocks noChangeAspect="1"/>
+          </p:cNvPicPr>
+          <p:nvPr/>
+        </p:nvPicPr>
+        <p:blipFill>
+          <a:blip r:embed="rId6"/>
+          <a:stretch>
+            <a:fillRect/>
+          </a:stretch>
+        </p:blipFill>
+        <p:spPr>
+          <a:xfrm>
+            <a:off x="181461" y="907473"/>
+            <a:ext cx="4039856" cy="3786969"/>
+          </a:xfrm>
+          <a:prstGeom prst="rect">
+            <a:avLst/>
+          </a:prstGeom>
         </p:spPr>
       </p:pic>
     </p:spTree>
@@ -29884,10 +30249,10 @@
       </p:pic>
       <p:pic>
         <p:nvPicPr>
-          <p:cNvPr id="1053" name="Picture 1052">
+          <p:cNvPr id="3" name="Picture 2">
             <a:extLst>
               <a:ext uri="{FF2B5EF4-FFF2-40B4-BE49-F238E27FC236}">
-                <a16:creationId xmlns:a16="http://schemas.microsoft.com/office/drawing/2014/main" id="{86C691F7-A505-B587-87CE-C08615C201B9}"/>
+                <a16:creationId xmlns:a16="http://schemas.microsoft.com/office/drawing/2014/main" id="{8D16D9D7-9F1B-E892-1BDA-582B317560B0}"/>
               </a:ext>
             </a:extLst>
           </p:cNvPr>
@@ -29904,8 +30269,8 @@
         </p:blipFill>
         <p:spPr>
           <a:xfrm>
-            <a:off x="4889415" y="1086524"/>
-            <a:ext cx="3524908" cy="2071892"/>
+            <a:off x="4570566" y="1086524"/>
+            <a:ext cx="3678871" cy="2086151"/>
           </a:xfrm>
           <a:prstGeom prst="rect">
             <a:avLst/>
